--- a/Documents/Presentation/Project Management Review 4th October.pptx
+++ b/Documents/Presentation/Project Management Review 4th October.pptx
@@ -1073,7 +1073,7 @@
           <a:p>
             <a:fld id="{6785AE29-4F7C-4CA5-B98B-C82289292C99}" type="datetimeFigureOut">
               <a:rPr lang="en-SG" smtClean="0"/>
-              <a:t>3/10/2017</a:t>
+              <a:t>4/10/2017</a:t>
             </a:fld>
             <a:endParaRPr lang="en-SG"/>
           </a:p>
@@ -1469,9 +1469,6 @@
           <a:bodyPr/>
           <a:lstStyle/>
           <a:p>
-            <a:endParaRPr lang="en-SG" baseline="0" dirty="0"/>
-          </a:p>
-          <a:p>
             <a:endParaRPr lang="en-SG" dirty="0"/>
           </a:p>
         </p:txBody>
@@ -1493,7 +1490,7 @@
           <a:p>
             <a:fld id="{AD7B0744-1F62-4374-87EE-572D0CECAB9A}" type="slidenum">
               <a:rPr lang="en-SG" smtClean="0"/>
-              <a:t>19</a:t>
+              <a:t>18</a:t>
             </a:fld>
             <a:endParaRPr lang="en-SG"/>
           </a:p>
@@ -1502,7 +1499,7 @@
     </p:spTree>
     <p:extLst>
       <p:ext uri="{BB962C8B-B14F-4D97-AF65-F5344CB8AC3E}">
-        <p14:creationId xmlns:p14="http://schemas.microsoft.com/office/powerpoint/2010/main" val="1514989689"/>
+        <p14:creationId xmlns:p14="http://schemas.microsoft.com/office/powerpoint/2010/main" val="2150001482"/>
       </p:ext>
     </p:extLst>
   </p:cSld>
@@ -1556,6 +1553,9 @@
           <a:bodyPr/>
           <a:lstStyle/>
           <a:p>
+            <a:endParaRPr lang="en-SG" baseline="0" dirty="0"/>
+          </a:p>
+          <a:p>
             <a:endParaRPr lang="en-SG" dirty="0"/>
           </a:p>
         </p:txBody>
@@ -1577,7 +1577,7 @@
           <a:p>
             <a:fld id="{AD7B0744-1F62-4374-87EE-572D0CECAB9A}" type="slidenum">
               <a:rPr lang="en-SG" smtClean="0"/>
-              <a:t>22</a:t>
+              <a:t>19</a:t>
             </a:fld>
             <a:endParaRPr lang="en-SG"/>
           </a:p>
@@ -1586,7 +1586,7 @@
     </p:spTree>
     <p:extLst>
       <p:ext uri="{BB962C8B-B14F-4D97-AF65-F5344CB8AC3E}">
-        <p14:creationId xmlns:p14="http://schemas.microsoft.com/office/powerpoint/2010/main" val="921842399"/>
+        <p14:creationId xmlns:p14="http://schemas.microsoft.com/office/powerpoint/2010/main" val="1514989689"/>
       </p:ext>
     </p:extLst>
   </p:cSld>
@@ -1659,9 +1659,9 @@
           <a:bodyPr/>
           <a:lstStyle/>
           <a:p>
-            <a:fld id="{C43E59A3-C131-4410-B3D3-3223C75D349F}" type="slidenum">
+            <a:fld id="{AD7B0744-1F62-4374-87EE-572D0CECAB9A}" type="slidenum">
               <a:rPr lang="en-SG" smtClean="0"/>
-              <a:t>24</a:t>
+              <a:t>22</a:t>
             </a:fld>
             <a:endParaRPr lang="en-SG"/>
           </a:p>
@@ -1670,7 +1670,7 @@
     </p:spTree>
     <p:extLst>
       <p:ext uri="{BB962C8B-B14F-4D97-AF65-F5344CB8AC3E}">
-        <p14:creationId xmlns:p14="http://schemas.microsoft.com/office/powerpoint/2010/main" val="2691971150"/>
+        <p14:creationId xmlns:p14="http://schemas.microsoft.com/office/powerpoint/2010/main" val="921842399"/>
       </p:ext>
     </p:extLst>
   </p:cSld>
@@ -1724,12 +1724,6 @@
           <a:bodyPr/>
           <a:lstStyle/>
           <a:p>
-            <a:pPr marL="228600" indent="-228600">
-              <a:buAutoNum type="arabicParenR"/>
-            </a:pPr>
-            <a:endParaRPr lang="en-SG" dirty="0"/>
-          </a:p>
-          <a:p>
             <a:endParaRPr lang="en-SG" dirty="0"/>
           </a:p>
         </p:txBody>
@@ -1751,7 +1745,7 @@
           <a:p>
             <a:fld id="{C43E59A3-C131-4410-B3D3-3223C75D349F}" type="slidenum">
               <a:rPr lang="en-SG" smtClean="0"/>
-              <a:t>27</a:t>
+              <a:t>24</a:t>
             </a:fld>
             <a:endParaRPr lang="en-SG"/>
           </a:p>
@@ -1760,7 +1754,7 @@
     </p:spTree>
     <p:extLst>
       <p:ext uri="{BB962C8B-B14F-4D97-AF65-F5344CB8AC3E}">
-        <p14:creationId xmlns:p14="http://schemas.microsoft.com/office/powerpoint/2010/main" val="2681457488"/>
+        <p14:creationId xmlns:p14="http://schemas.microsoft.com/office/powerpoint/2010/main" val="2691971150"/>
       </p:ext>
     </p:extLst>
   </p:cSld>
@@ -1814,6 +1808,12 @@
           <a:bodyPr/>
           <a:lstStyle/>
           <a:p>
+            <a:pPr marL="228600" indent="-228600">
+              <a:buAutoNum type="arabicParenR"/>
+            </a:pPr>
+            <a:endParaRPr lang="en-SG" dirty="0"/>
+          </a:p>
+          <a:p>
             <a:endParaRPr lang="en-SG" dirty="0"/>
           </a:p>
         </p:txBody>
@@ -1835,6 +1835,90 @@
           <a:p>
             <a:fld id="{C43E59A3-C131-4410-B3D3-3223C75D349F}" type="slidenum">
               <a:rPr lang="en-SG" smtClean="0"/>
+              <a:t>27</a:t>
+            </a:fld>
+            <a:endParaRPr lang="en-SG"/>
+          </a:p>
+        </p:txBody>
+      </p:sp>
+    </p:spTree>
+    <p:extLst>
+      <p:ext uri="{BB962C8B-B14F-4D97-AF65-F5344CB8AC3E}">
+        <p14:creationId xmlns:p14="http://schemas.microsoft.com/office/powerpoint/2010/main" val="2681457488"/>
+      </p:ext>
+    </p:extLst>
+  </p:cSld>
+  <p:clrMapOvr>
+    <a:masterClrMapping/>
+  </p:clrMapOvr>
+</p:notes>
+</file>
+
+<file path=ppt/notesSlides/notesSlide15.xml><?xml version="1.0" encoding="utf-8"?>
+<p:notes xmlns:a="http://schemas.openxmlformats.org/drawingml/2006/main" xmlns:r="http://schemas.openxmlformats.org/officeDocument/2006/relationships" xmlns:p="http://schemas.openxmlformats.org/presentationml/2006/main">
+  <p:cSld>
+    <p:spTree>
+      <p:nvGrpSpPr>
+        <p:cNvPr id="1" name=""/>
+        <p:cNvGrpSpPr/>
+        <p:nvPr/>
+      </p:nvGrpSpPr>
+      <p:grpSpPr>
+        <a:xfrm>
+          <a:off x="0" y="0"/>
+          <a:ext cx="0" cy="0"/>
+          <a:chOff x="0" y="0"/>
+          <a:chExt cx="0" cy="0"/>
+        </a:xfrm>
+      </p:grpSpPr>
+      <p:sp>
+        <p:nvSpPr>
+          <p:cNvPr id="2" name="Slide Image Placeholder 1"/>
+          <p:cNvSpPr>
+            <a:spLocks noGrp="1" noRot="1" noChangeAspect="1"/>
+          </p:cNvSpPr>
+          <p:nvPr>
+            <p:ph type="sldImg"/>
+          </p:nvPr>
+        </p:nvSpPr>
+        <p:spPr/>
+      </p:sp>
+      <p:sp>
+        <p:nvSpPr>
+          <p:cNvPr id="3" name="Notes Placeholder 2"/>
+          <p:cNvSpPr>
+            <a:spLocks noGrp="1"/>
+          </p:cNvSpPr>
+          <p:nvPr>
+            <p:ph type="body" idx="1"/>
+          </p:nvPr>
+        </p:nvSpPr>
+        <p:spPr/>
+        <p:txBody>
+          <a:bodyPr/>
+          <a:lstStyle/>
+          <a:p>
+            <a:endParaRPr lang="en-SG" dirty="0"/>
+          </a:p>
+        </p:txBody>
+      </p:sp>
+      <p:sp>
+        <p:nvSpPr>
+          <p:cNvPr id="4" name="Slide Number Placeholder 3"/>
+          <p:cNvSpPr>
+            <a:spLocks noGrp="1"/>
+          </p:cNvSpPr>
+          <p:nvPr>
+            <p:ph type="sldNum" sz="quarter" idx="10"/>
+          </p:nvPr>
+        </p:nvSpPr>
+        <p:spPr/>
+        <p:txBody>
+          <a:bodyPr/>
+          <a:lstStyle/>
+          <a:p>
+            <a:fld id="{C43E59A3-C131-4410-B3D3-3223C75D349F}" type="slidenum">
+              <a:rPr lang="en-SG" smtClean="0"/>
               <a:t>31</a:t>
             </a:fld>
             <a:endParaRPr lang="en-SG"/>
@@ -1854,7 +1938,7 @@
 </p:notes>
 </file>
 
-<file path=ppt/notesSlides/notesSlide15.xml><?xml version="1.0" encoding="utf-8"?>
+<file path=ppt/notesSlides/notesSlide16.xml><?xml version="1.0" encoding="utf-8"?>
 <p:notes xmlns:a="http://schemas.openxmlformats.org/drawingml/2006/main" xmlns:r="http://schemas.openxmlformats.org/officeDocument/2006/relationships" xmlns:p="http://schemas.openxmlformats.org/presentationml/2006/main">
   <p:cSld>
     <p:spTree>
@@ -1982,9 +2066,6 @@
           <a:bodyPr/>
           <a:lstStyle/>
           <a:p>
-            <a:pPr marL="0" indent="0">
-              <a:buNone/>
-            </a:pPr>
             <a:endParaRPr lang="en-SG" dirty="0"/>
           </a:p>
         </p:txBody>
@@ -2006,7 +2087,7 @@
           <a:p>
             <a:fld id="{C43E59A3-C131-4410-B3D3-3223C75D349F}" type="slidenum">
               <a:rPr lang="en-SG" smtClean="0"/>
-              <a:t>6</a:t>
+              <a:t>3</a:t>
             </a:fld>
             <a:endParaRPr lang="en-SG"/>
           </a:p>
@@ -2015,7 +2096,7 @@
     </p:spTree>
     <p:extLst>
       <p:ext uri="{BB962C8B-B14F-4D97-AF65-F5344CB8AC3E}">
-        <p14:creationId xmlns:p14="http://schemas.microsoft.com/office/powerpoint/2010/main" val="466007430"/>
+        <p14:creationId xmlns:p14="http://schemas.microsoft.com/office/powerpoint/2010/main" val="4162763248"/>
       </p:ext>
     </p:extLst>
   </p:cSld>
@@ -2069,6 +2150,9 @@
           <a:bodyPr/>
           <a:lstStyle/>
           <a:p>
+            <a:pPr marL="0" indent="0">
+              <a:buNone/>
+            </a:pPr>
             <a:endParaRPr lang="en-SG" dirty="0"/>
           </a:p>
         </p:txBody>
@@ -2090,7 +2174,7 @@
           <a:p>
             <a:fld id="{C43E59A3-C131-4410-B3D3-3223C75D349F}" type="slidenum">
               <a:rPr lang="en-SG" smtClean="0"/>
-              <a:t>9</a:t>
+              <a:t>6</a:t>
             </a:fld>
             <a:endParaRPr lang="en-SG"/>
           </a:p>
@@ -2099,7 +2183,7 @@
     </p:spTree>
     <p:extLst>
       <p:ext uri="{BB962C8B-B14F-4D97-AF65-F5344CB8AC3E}">
-        <p14:creationId xmlns:p14="http://schemas.microsoft.com/office/powerpoint/2010/main" val="330715888"/>
+        <p14:creationId xmlns:p14="http://schemas.microsoft.com/office/powerpoint/2010/main" val="466007430"/>
       </p:ext>
     </p:extLst>
   </p:cSld>
@@ -2174,7 +2258,7 @@
           <a:p>
             <a:fld id="{C43E59A3-C131-4410-B3D3-3223C75D349F}" type="slidenum">
               <a:rPr lang="en-SG" smtClean="0"/>
-              <a:t>10</a:t>
+              <a:t>9</a:t>
             </a:fld>
             <a:endParaRPr lang="en-SG"/>
           </a:p>
@@ -2183,7 +2267,7 @@
     </p:spTree>
     <p:extLst>
       <p:ext uri="{BB962C8B-B14F-4D97-AF65-F5344CB8AC3E}">
-        <p14:creationId xmlns:p14="http://schemas.microsoft.com/office/powerpoint/2010/main" val="818136414"/>
+        <p14:creationId xmlns:p14="http://schemas.microsoft.com/office/powerpoint/2010/main" val="330715888"/>
       </p:ext>
     </p:extLst>
   </p:cSld>
@@ -2258,7 +2342,7 @@
           <a:p>
             <a:fld id="{C43E59A3-C131-4410-B3D3-3223C75D349F}" type="slidenum">
               <a:rPr lang="en-SG" smtClean="0"/>
-              <a:t>12</a:t>
+              <a:t>10</a:t>
             </a:fld>
             <a:endParaRPr lang="en-SG"/>
           </a:p>
@@ -2267,7 +2351,7 @@
     </p:spTree>
     <p:extLst>
       <p:ext uri="{BB962C8B-B14F-4D97-AF65-F5344CB8AC3E}">
-        <p14:creationId xmlns:p14="http://schemas.microsoft.com/office/powerpoint/2010/main" val="824271683"/>
+        <p14:creationId xmlns:p14="http://schemas.microsoft.com/office/powerpoint/2010/main" val="818136414"/>
       </p:ext>
     </p:extLst>
   </p:cSld>
@@ -2321,7 +2405,7 @@
           <a:bodyPr/>
           <a:lstStyle/>
           <a:p>
-            <a:endParaRPr lang="en-SG" b="1" dirty="0"/>
+            <a:endParaRPr lang="en-SG" dirty="0"/>
           </a:p>
         </p:txBody>
       </p:sp>
@@ -2342,7 +2426,7 @@
           <a:p>
             <a:fld id="{C43E59A3-C131-4410-B3D3-3223C75D349F}" type="slidenum">
               <a:rPr lang="en-SG" smtClean="0"/>
-              <a:t>14</a:t>
+              <a:t>12</a:t>
             </a:fld>
             <a:endParaRPr lang="en-SG"/>
           </a:p>
@@ -2351,7 +2435,7 @@
     </p:spTree>
     <p:extLst>
       <p:ext uri="{BB962C8B-B14F-4D97-AF65-F5344CB8AC3E}">
-        <p14:creationId xmlns:p14="http://schemas.microsoft.com/office/powerpoint/2010/main" val="4000491198"/>
+        <p14:creationId xmlns:p14="http://schemas.microsoft.com/office/powerpoint/2010/main" val="824271683"/>
       </p:ext>
     </p:extLst>
   </p:cSld>
@@ -2405,7 +2489,7 @@
           <a:bodyPr/>
           <a:lstStyle/>
           <a:p>
-            <a:endParaRPr lang="en-SG" dirty="0"/>
+            <a:endParaRPr lang="en-SG" b="1" dirty="0"/>
           </a:p>
         </p:txBody>
       </p:sp>
@@ -2426,7 +2510,7 @@
           <a:p>
             <a:fld id="{C43E59A3-C131-4410-B3D3-3223C75D349F}" type="slidenum">
               <a:rPr lang="en-SG" smtClean="0"/>
-              <a:t>15</a:t>
+              <a:t>14</a:t>
             </a:fld>
             <a:endParaRPr lang="en-SG"/>
           </a:p>
@@ -2435,7 +2519,7 @@
     </p:spTree>
     <p:extLst>
       <p:ext uri="{BB962C8B-B14F-4D97-AF65-F5344CB8AC3E}">
-        <p14:creationId xmlns:p14="http://schemas.microsoft.com/office/powerpoint/2010/main" val="1929088412"/>
+        <p14:creationId xmlns:p14="http://schemas.microsoft.com/office/powerpoint/2010/main" val="4000491198"/>
       </p:ext>
     </p:extLst>
   </p:cSld>
@@ -2489,9 +2573,6 @@
           <a:bodyPr/>
           <a:lstStyle/>
           <a:p>
-            <a:endParaRPr lang="en-SG" baseline="0" dirty="0"/>
-          </a:p>
-          <a:p>
             <a:endParaRPr lang="en-SG" dirty="0"/>
           </a:p>
         </p:txBody>
@@ -2511,9 +2592,9 @@
           <a:bodyPr/>
           <a:lstStyle/>
           <a:p>
-            <a:fld id="{AD7B0744-1F62-4374-87EE-572D0CECAB9A}" type="slidenum">
+            <a:fld id="{C43E59A3-C131-4410-B3D3-3223C75D349F}" type="slidenum">
               <a:rPr lang="en-SG" smtClean="0"/>
-              <a:t>17</a:t>
+              <a:t>15</a:t>
             </a:fld>
             <a:endParaRPr lang="en-SG"/>
           </a:p>
@@ -2522,7 +2603,7 @@
     </p:spTree>
     <p:extLst>
       <p:ext uri="{BB962C8B-B14F-4D97-AF65-F5344CB8AC3E}">
-        <p14:creationId xmlns:p14="http://schemas.microsoft.com/office/powerpoint/2010/main" val="2716259090"/>
+        <p14:creationId xmlns:p14="http://schemas.microsoft.com/office/powerpoint/2010/main" val="1929088412"/>
       </p:ext>
     </p:extLst>
   </p:cSld>
@@ -2576,6 +2657,9 @@
           <a:bodyPr/>
           <a:lstStyle/>
           <a:p>
+            <a:endParaRPr lang="en-SG" baseline="0" dirty="0"/>
+          </a:p>
+          <a:p>
             <a:endParaRPr lang="en-SG" dirty="0"/>
           </a:p>
         </p:txBody>
@@ -2597,7 +2681,7 @@
           <a:p>
             <a:fld id="{AD7B0744-1F62-4374-87EE-572D0CECAB9A}" type="slidenum">
               <a:rPr lang="en-SG" smtClean="0"/>
-              <a:t>18</a:t>
+              <a:t>17</a:t>
             </a:fld>
             <a:endParaRPr lang="en-SG"/>
           </a:p>
@@ -2606,7 +2690,7 @@
     </p:spTree>
     <p:extLst>
       <p:ext uri="{BB962C8B-B14F-4D97-AF65-F5344CB8AC3E}">
-        <p14:creationId xmlns:p14="http://schemas.microsoft.com/office/powerpoint/2010/main" val="2150001482"/>
+        <p14:creationId xmlns:p14="http://schemas.microsoft.com/office/powerpoint/2010/main" val="2716259090"/>
       </p:ext>
     </p:extLst>
   </p:cSld>
@@ -2804,7 +2888,7 @@
           <a:p>
             <a:fld id="{763E9024-17DE-4849-9A54-007B8F15ADFE}" type="datetimeFigureOut">
               <a:rPr lang="en-SG" smtClean="0"/>
-              <a:t>3/10/2017</a:t>
+              <a:t>4/10/2017</a:t>
             </a:fld>
             <a:endParaRPr lang="en-SG"/>
           </a:p>
@@ -3142,7 +3226,7 @@
           <a:p>
             <a:fld id="{763E9024-17DE-4849-9A54-007B8F15ADFE}" type="datetimeFigureOut">
               <a:rPr lang="en-SG" smtClean="0"/>
-              <a:t>3/10/2017</a:t>
+              <a:t>4/10/2017</a:t>
             </a:fld>
             <a:endParaRPr lang="en-SG"/>
           </a:p>
@@ -3543,7 +3627,7 @@
           <a:p>
             <a:fld id="{763E9024-17DE-4849-9A54-007B8F15ADFE}" type="datetimeFigureOut">
               <a:rPr lang="en-SG" smtClean="0"/>
-              <a:t>3/10/2017</a:t>
+              <a:t>4/10/2017</a:t>
             </a:fld>
             <a:endParaRPr lang="en-SG"/>
           </a:p>
@@ -3879,7 +3963,7 @@
           <a:p>
             <a:fld id="{763E9024-17DE-4849-9A54-007B8F15ADFE}" type="datetimeFigureOut">
               <a:rPr lang="en-SG" smtClean="0"/>
-              <a:t>3/10/2017</a:t>
+              <a:t>4/10/2017</a:t>
             </a:fld>
             <a:endParaRPr lang="en-SG"/>
           </a:p>
@@ -4199,7 +4283,7 @@
           <a:p>
             <a:fld id="{763E9024-17DE-4849-9A54-007B8F15ADFE}" type="datetimeFigureOut">
               <a:rPr lang="en-SG" smtClean="0"/>
-              <a:t>3/10/2017</a:t>
+              <a:t>4/10/2017</a:t>
             </a:fld>
             <a:endParaRPr lang="en-SG"/>
           </a:p>
@@ -4595,7 +4679,7 @@
           <a:p>
             <a:fld id="{763E9024-17DE-4849-9A54-007B8F15ADFE}" type="datetimeFigureOut">
               <a:rPr lang="en-SG" smtClean="0"/>
-              <a:t>3/10/2017</a:t>
+              <a:t>4/10/2017</a:t>
             </a:fld>
             <a:endParaRPr lang="en-SG"/>
           </a:p>
@@ -4852,7 +4936,7 @@
           <a:p>
             <a:fld id="{763E9024-17DE-4849-9A54-007B8F15ADFE}" type="datetimeFigureOut">
               <a:rPr lang="en-SG" smtClean="0"/>
-              <a:t>3/10/2017</a:t>
+              <a:t>4/10/2017</a:t>
             </a:fld>
             <a:endParaRPr lang="en-SG"/>
           </a:p>
@@ -5114,7 +5198,7 @@
           <a:p>
             <a:fld id="{763E9024-17DE-4849-9A54-007B8F15ADFE}" type="datetimeFigureOut">
               <a:rPr lang="en-SG" smtClean="0"/>
-              <a:t>3/10/2017</a:t>
+              <a:t>4/10/2017</a:t>
             </a:fld>
             <a:endParaRPr lang="en-SG"/>
           </a:p>
@@ -5376,7 +5460,7 @@
           <a:p>
             <a:fld id="{763E9024-17DE-4849-9A54-007B8F15ADFE}" type="datetimeFigureOut">
               <a:rPr lang="en-SG" smtClean="0"/>
-              <a:t>3/10/2017</a:t>
+              <a:t>4/10/2017</a:t>
             </a:fld>
             <a:endParaRPr lang="en-SG"/>
           </a:p>
@@ -5705,7 +5789,7 @@
           <a:p>
             <a:fld id="{763E9024-17DE-4849-9A54-007B8F15ADFE}" type="datetimeFigureOut">
               <a:rPr lang="en-SG" smtClean="0"/>
-              <a:t>3/10/2017</a:t>
+              <a:t>4/10/2017</a:t>
             </a:fld>
             <a:endParaRPr lang="en-SG"/>
           </a:p>
@@ -6028,7 +6112,7 @@
           <a:p>
             <a:fld id="{763E9024-17DE-4849-9A54-007B8F15ADFE}" type="datetimeFigureOut">
               <a:rPr lang="en-SG" smtClean="0"/>
-              <a:t>3/10/2017</a:t>
+              <a:t>4/10/2017</a:t>
             </a:fld>
             <a:endParaRPr lang="en-SG"/>
           </a:p>
@@ -6485,7 +6569,7 @@
           <a:p>
             <a:fld id="{763E9024-17DE-4849-9A54-007B8F15ADFE}" type="datetimeFigureOut">
               <a:rPr lang="en-SG" smtClean="0"/>
-              <a:t>3/10/2017</a:t>
+              <a:t>4/10/2017</a:t>
             </a:fld>
             <a:endParaRPr lang="en-SG"/>
           </a:p>
@@ -6690,7 +6774,7 @@
           <a:p>
             <a:fld id="{763E9024-17DE-4849-9A54-007B8F15ADFE}" type="datetimeFigureOut">
               <a:rPr lang="en-SG" smtClean="0"/>
-              <a:t>3/10/2017</a:t>
+              <a:t>4/10/2017</a:t>
             </a:fld>
             <a:endParaRPr lang="en-SG"/>
           </a:p>
@@ -6867,7 +6951,7 @@
           <a:p>
             <a:fld id="{763E9024-17DE-4849-9A54-007B8F15ADFE}" type="datetimeFigureOut">
               <a:rPr lang="en-SG" smtClean="0"/>
-              <a:t>3/10/2017</a:t>
+              <a:t>4/10/2017</a:t>
             </a:fld>
             <a:endParaRPr lang="en-SG"/>
           </a:p>
@@ -7200,7 +7284,7 @@
           <a:p>
             <a:fld id="{763E9024-17DE-4849-9A54-007B8F15ADFE}" type="datetimeFigureOut">
               <a:rPr lang="en-SG" smtClean="0"/>
-              <a:t>3/10/2017</a:t>
+              <a:t>4/10/2017</a:t>
             </a:fld>
             <a:endParaRPr lang="en-SG"/>
           </a:p>
@@ -7545,7 +7629,7 @@
           <a:p>
             <a:fld id="{763E9024-17DE-4849-9A54-007B8F15ADFE}" type="datetimeFigureOut">
               <a:rPr lang="en-SG" smtClean="0"/>
-              <a:t>3/10/2017</a:t>
+              <a:t>4/10/2017</a:t>
             </a:fld>
             <a:endParaRPr lang="en-SG"/>
           </a:p>
@@ -9662,7 +9746,7 @@
           <a:p>
             <a:fld id="{763E9024-17DE-4849-9A54-007B8F15ADFE}" type="datetimeFigureOut">
               <a:rPr lang="en-SG" smtClean="0"/>
-              <a:t>3/10/2017</a:t>
+              <a:t>4/10/2017</a:t>
             </a:fld>
             <a:endParaRPr lang="en-SG"/>
           </a:p>
@@ -27241,7 +27325,7 @@
                   <a:sysClr val="windowText" lastClr="000000"/>
                 </a:solidFill>
               </a:rPr>
-              <a:t>Critical Path: 2 Days</a:t>
+              <a:t>Critical Path: 1 Days</a:t>
             </a:r>
             <a:br>
               <a:rPr lang="en-SG" sz="4800" b="1" u="sng" dirty="0">
@@ -28448,7 +28532,7 @@
               <a:buAutoNum type="arabicPeriod"/>
             </a:pPr>
             <a:r>
-              <a:rPr lang="en-SG" sz="2800" dirty="0"/>
+              <a:rPr lang="en-SG" sz="2400" dirty="0"/>
               <a:t>Supervisor Meeting 1 (02/10/2017) – Amanda </a:t>
             </a:r>
           </a:p>
@@ -28457,7 +28541,7 @@
               <a:buAutoNum type="arabicPeriod"/>
             </a:pPr>
             <a:r>
-              <a:rPr lang="en-SG" sz="2800" dirty="0"/>
+              <a:rPr lang="en-SG" sz="2400" dirty="0"/>
               <a:t>PM Review (04/10/2017) – Amanda </a:t>
             </a:r>
           </a:p>
@@ -28466,7 +28550,7 @@
               <a:buAutoNum type="arabicPeriod"/>
             </a:pPr>
             <a:r>
-              <a:rPr lang="en-SG" sz="2800" dirty="0"/>
+              <a:rPr lang="en-SG" sz="2400" dirty="0"/>
               <a:t>AWS Deployment (07/10/2017) – Amanda</a:t>
             </a:r>
           </a:p>
@@ -28475,7 +28559,7 @@
               <a:buAutoNum type="arabicPeriod"/>
             </a:pPr>
             <a:r>
-              <a:rPr lang="en-SG" sz="2800" dirty="0"/>
+              <a:rPr lang="en-SG" sz="2400" dirty="0"/>
               <a:t>Supervisor Meeting 2 (24/10/2017) - Joleen</a:t>
             </a:r>
           </a:p>
@@ -28484,7 +28568,7 @@
               <a:buAutoNum type="arabicPeriod"/>
             </a:pPr>
             <a:r>
-              <a:rPr lang="en-SG" sz="2800" dirty="0"/>
+              <a:rPr lang="en-SG" sz="2400" dirty="0"/>
               <a:t>Application Demo and Progress Update (25/10/2017) – Joleen </a:t>
             </a:r>
           </a:p>
@@ -28493,8 +28577,8 @@
               <a:buAutoNum type="arabicPeriod"/>
             </a:pPr>
             <a:r>
-              <a:rPr lang="en-SG" sz="2800" dirty="0"/>
-              <a:t>UAT (8/11/2017) – Shreyas</a:t>
+              <a:rPr lang="en-SG" sz="2400" dirty="0"/>
+              <a:t>UAT (5/11/2017) - Joleen</a:t>
             </a:r>
           </a:p>
           <a:p>
@@ -28502,8 +28586,8 @@
               <a:buAutoNum type="arabicPeriod"/>
             </a:pPr>
             <a:r>
-              <a:rPr lang="en-SG" sz="2800" dirty="0"/>
-              <a:t>Final Submission (19/11/2017) – Shreyas </a:t>
+              <a:rPr lang="en-SG" sz="2400" dirty="0"/>
+              <a:t>(8/11/2017) – Shreyas</a:t>
             </a:r>
           </a:p>
           <a:p>
@@ -28511,15 +28595,24 @@
               <a:buAutoNum type="arabicPeriod"/>
             </a:pPr>
             <a:r>
-              <a:rPr lang="en-SG" sz="2800" dirty="0"/>
-              <a:t>Final Presentation (22/11/2017) – Joel </a:t>
+              <a:rPr lang="en-SG" sz="2400" dirty="0"/>
+              <a:t>Final Submission (19/11/2017) – Shreyas </a:t>
             </a:r>
           </a:p>
           <a:p>
             <a:pPr>
               <a:buAutoNum type="arabicPeriod"/>
             </a:pPr>
-            <a:endParaRPr lang="en-SG" dirty="0"/>
+            <a:r>
+              <a:rPr lang="en-SG" sz="2400" dirty="0"/>
+              <a:t>Final Presentation (22/11/2017) – Joel </a:t>
+            </a:r>
+          </a:p>
+          <a:p>
+            <a:pPr>
+              <a:buAutoNum type="arabicPeriod"/>
+            </a:pPr>
+            <a:endParaRPr lang="en-SG" sz="1600" dirty="0"/>
           </a:p>
         </p:txBody>
       </p:sp>
@@ -28614,14 +28707,14 @@
           <p:nvPr>
             <p:extLst>
               <p:ext uri="{D42A27DB-BD31-4B8C-83A1-F6EECF244321}">
-                <p14:modId xmlns:p14="http://schemas.microsoft.com/office/powerpoint/2010/main" val="3593591498"/>
+                <p14:modId xmlns:p14="http://schemas.microsoft.com/office/powerpoint/2010/main" val="1429382830"/>
               </p:ext>
             </p:extLst>
           </p:nvPr>
         </p:nvGraphicFramePr>
         <p:xfrm>
           <a:off x="0" y="1216058"/>
-          <a:ext cx="12192001" cy="5641945"/>
+          <a:ext cx="12192001" cy="5641946"/>
         </p:xfrm>
         <a:graphic>
           <a:graphicData uri="http://schemas.openxmlformats.org/drawingml/2006/table">
@@ -28673,7 +28766,7 @@
                   </a:extLst>
                 </a:gridCol>
               </a:tblGrid>
-              <a:tr h="516591">
+              <a:tr h="600346">
                 <a:tc>
                   <a:txBody>
                     <a:bodyPr/>
@@ -29038,7 +29131,7 @@
                   </a:ext>
                 </a:extLst>
               </a:tr>
-              <a:tr h="393558">
+              <a:tr h="457366">
                 <a:tc>
                   <a:txBody>
                     <a:bodyPr/>
@@ -29489,7 +29582,7 @@
                   </a:ext>
                 </a:extLst>
               </a:tr>
-              <a:tr h="393558">
+              <a:tr h="457366">
                 <a:tc>
                   <a:txBody>
                     <a:bodyPr/>
@@ -29811,16 +29904,6 @@
                         <a:tabLst/>
                         <a:defRPr/>
                       </a:pPr>
-                      <a:r>
-                        <a:rPr lang="en-SG" sz="1700" b="0" dirty="0">
-                          <a:solidFill>
-                            <a:schemeClr val="tx1"/>
-                          </a:solidFill>
-                          <a:latin typeface="Century Gothic" panose="020B0502020202020204" pitchFamily="34" charset="0"/>
-                          <a:sym typeface="Wingdings" panose="05000000000000000000" pitchFamily="2" charset="2"/>
-                        </a:rPr>
-                        <a:t></a:t>
-                      </a:r>
                       <a:endParaRPr lang="en-SG" sz="1700" b="0" dirty="0">
                         <a:solidFill>
                           <a:schemeClr val="tx1"/>
@@ -29933,7 +30016,7 @@
                   </a:ext>
                 </a:extLst>
               </a:tr>
-              <a:tr h="393558">
+              <a:tr h="457366">
                 <a:tc>
                   <a:txBody>
                     <a:bodyPr/>
@@ -30391,390 +30474,7 @@
                   </a:ext>
                 </a:extLst>
               </a:tr>
-              <a:tr h="393558">
-                <a:tc>
-                  <a:txBody>
-                    <a:bodyPr/>
-                    <a:lstStyle/>
-                    <a:p>
-                      <a:r>
-                        <a:rPr lang="en-SG" sz="1700" b="0" kern="1200" dirty="0">
-                          <a:solidFill>
-                            <a:schemeClr val="tx1"/>
-                          </a:solidFill>
-                          <a:latin typeface="+mn-lt"/>
-                          <a:ea typeface="+mn-ea"/>
-                          <a:cs typeface="+mn-cs"/>
-                        </a:rPr>
-                        <a:t> Top K popular places report</a:t>
-                      </a:r>
-                    </a:p>
-                  </a:txBody>
-                  <a:tcPr marL="14288" marR="14288" marT="9525" marB="9525" anchor="b">
-                    <a:lnL w="12700" cap="flat" cmpd="sng" algn="ctr">
-                      <a:solidFill>
-                        <a:schemeClr val="tx1"/>
-                      </a:solidFill>
-                      <a:prstDash val="solid"/>
-                      <a:round/>
-                      <a:headEnd type="none" w="med" len="med"/>
-                      <a:tailEnd type="none" w="med" len="med"/>
-                    </a:lnL>
-                    <a:lnR w="12700" cap="flat" cmpd="sng" algn="ctr">
-                      <a:solidFill>
-                        <a:schemeClr val="tx1"/>
-                      </a:solidFill>
-                      <a:prstDash val="solid"/>
-                      <a:round/>
-                      <a:headEnd type="none" w="med" len="med"/>
-                      <a:tailEnd type="none" w="med" len="med"/>
-                    </a:lnR>
-                    <a:lnT w="12700" cap="flat" cmpd="sng" algn="ctr">
-                      <a:solidFill>
-                        <a:schemeClr val="tx1"/>
-                      </a:solidFill>
-                      <a:prstDash val="solid"/>
-                      <a:round/>
-                      <a:headEnd type="none" w="med" len="med"/>
-                      <a:tailEnd type="none" w="med" len="med"/>
-                    </a:lnT>
-                    <a:lnB w="12700" cap="flat" cmpd="sng" algn="ctr">
-                      <a:solidFill>
-                        <a:schemeClr val="tx1"/>
-                      </a:solidFill>
-                      <a:prstDash val="solid"/>
-                      <a:round/>
-                      <a:headEnd type="none" w="med" len="med"/>
-                      <a:tailEnd type="none" w="med" len="med"/>
-                    </a:lnB>
-                    <a:solidFill>
-                      <a:srgbClr val="F7FFF7"/>
-                    </a:solidFill>
-                  </a:tcPr>
-                </a:tc>
-                <a:tc>
-                  <a:txBody>
-                    <a:bodyPr/>
-                    <a:lstStyle/>
-                    <a:p>
-                      <a:pPr algn="ctr"/>
-                      <a:endParaRPr lang="en-SG" sz="1700" b="0" dirty="0">
-                        <a:solidFill>
-                          <a:schemeClr val="tx1"/>
-                        </a:solidFill>
-                        <a:latin typeface="Century Gothic" panose="020B0502020202020204" pitchFamily="34" charset="0"/>
-                      </a:endParaRPr>
-                    </a:p>
-                  </a:txBody>
-                  <a:tcPr anchor="ctr">
-                    <a:lnL w="12700" cap="flat" cmpd="sng" algn="ctr">
-                      <a:solidFill>
-                        <a:schemeClr val="tx1"/>
-                      </a:solidFill>
-                      <a:prstDash val="solid"/>
-                      <a:round/>
-                      <a:headEnd type="none" w="med" len="med"/>
-                      <a:tailEnd type="none" w="med" len="med"/>
-                    </a:lnL>
-                    <a:lnR w="12700" cap="flat" cmpd="sng" algn="ctr">
-                      <a:solidFill>
-                        <a:schemeClr val="tx1"/>
-                      </a:solidFill>
-                      <a:prstDash val="solid"/>
-                      <a:round/>
-                      <a:headEnd type="none" w="med" len="med"/>
-                      <a:tailEnd type="none" w="med" len="med"/>
-                    </a:lnR>
-                    <a:lnT w="12700" cap="flat" cmpd="sng" algn="ctr">
-                      <a:solidFill>
-                        <a:schemeClr val="tx1"/>
-                      </a:solidFill>
-                      <a:prstDash val="solid"/>
-                      <a:round/>
-                      <a:headEnd type="none" w="med" len="med"/>
-                      <a:tailEnd type="none" w="med" len="med"/>
-                    </a:lnT>
-                    <a:lnB w="12700" cap="flat" cmpd="sng" algn="ctr">
-                      <a:solidFill>
-                        <a:schemeClr val="tx1"/>
-                      </a:solidFill>
-                      <a:prstDash val="solid"/>
-                      <a:round/>
-                      <a:headEnd type="none" w="med" len="med"/>
-                      <a:tailEnd type="none" w="med" len="med"/>
-                    </a:lnB>
-                    <a:solidFill>
-                      <a:srgbClr val="F7FFF7"/>
-                    </a:solidFill>
-                  </a:tcPr>
-                </a:tc>
-                <a:tc>
-                  <a:txBody>
-                    <a:bodyPr/>
-                    <a:lstStyle/>
-                    <a:p>
-                      <a:pPr marL="0" marR="0" lvl="0" indent="0" algn="ctr" defTabSz="914400" rtl="0" eaLnBrk="1" fontAlgn="auto" latinLnBrk="0" hangingPunct="1">
-                        <a:lnSpc>
-                          <a:spcPct val="100000"/>
-                        </a:lnSpc>
-                        <a:spcBef>
-                          <a:spcPts val="0"/>
-                        </a:spcBef>
-                        <a:spcAft>
-                          <a:spcPts val="0"/>
-                        </a:spcAft>
-                        <a:buClrTx/>
-                        <a:buSzTx/>
-                        <a:buFontTx/>
-                        <a:buNone/>
-                        <a:tabLst/>
-                        <a:defRPr/>
-                      </a:pPr>
-                      <a:r>
-                        <a:rPr lang="en-SG" sz="1700" b="0" dirty="0">
-                          <a:solidFill>
-                            <a:schemeClr val="tx1"/>
-                          </a:solidFill>
-                          <a:latin typeface="Century Gothic" panose="020B0502020202020204" pitchFamily="34" charset="0"/>
-                          <a:sym typeface="Wingdings" panose="05000000000000000000" pitchFamily="2" charset="2"/>
-                        </a:rPr>
-                        <a:t></a:t>
-                      </a:r>
-                      <a:endParaRPr lang="en-SG" sz="1700" b="0" dirty="0">
-                        <a:solidFill>
-                          <a:schemeClr val="tx1"/>
-                        </a:solidFill>
-                        <a:latin typeface="Century Gothic" panose="020B0502020202020204" pitchFamily="34" charset="0"/>
-                      </a:endParaRPr>
-                    </a:p>
-                  </a:txBody>
-                  <a:tcPr anchor="ctr">
-                    <a:lnL w="12700" cap="flat" cmpd="sng" algn="ctr">
-                      <a:solidFill>
-                        <a:schemeClr val="tx1"/>
-                      </a:solidFill>
-                      <a:prstDash val="solid"/>
-                      <a:round/>
-                      <a:headEnd type="none" w="med" len="med"/>
-                      <a:tailEnd type="none" w="med" len="med"/>
-                    </a:lnL>
-                    <a:lnR w="12700" cap="flat" cmpd="sng" algn="ctr">
-                      <a:solidFill>
-                        <a:schemeClr val="tx1"/>
-                      </a:solidFill>
-                      <a:prstDash val="solid"/>
-                      <a:round/>
-                      <a:headEnd type="none" w="med" len="med"/>
-                      <a:tailEnd type="none" w="med" len="med"/>
-                    </a:lnR>
-                    <a:lnT w="12700" cap="flat" cmpd="sng" algn="ctr">
-                      <a:solidFill>
-                        <a:schemeClr val="tx1"/>
-                      </a:solidFill>
-                      <a:prstDash val="solid"/>
-                      <a:round/>
-                      <a:headEnd type="none" w="med" len="med"/>
-                      <a:tailEnd type="none" w="med" len="med"/>
-                    </a:lnT>
-                    <a:lnB w="12700" cap="flat" cmpd="sng" algn="ctr">
-                      <a:solidFill>
-                        <a:schemeClr val="tx1"/>
-                      </a:solidFill>
-                      <a:prstDash val="solid"/>
-                      <a:round/>
-                      <a:headEnd type="none" w="med" len="med"/>
-                      <a:tailEnd type="none" w="med" len="med"/>
-                    </a:lnB>
-                    <a:solidFill>
-                      <a:srgbClr val="F7FFF7"/>
-                    </a:solidFill>
-                  </a:tcPr>
-                </a:tc>
-                <a:tc>
-                  <a:txBody>
-                    <a:bodyPr/>
-                    <a:lstStyle/>
-                    <a:p>
-                      <a:pPr algn="ctr"/>
-                      <a:r>
-                        <a:rPr lang="en-SG" sz="1700" b="0" dirty="0">
-                          <a:solidFill>
-                            <a:schemeClr val="tx1"/>
-                          </a:solidFill>
-                          <a:latin typeface="Century Gothic" panose="020B0502020202020204" pitchFamily="34" charset="0"/>
-                          <a:sym typeface="Wingdings" panose="05000000000000000000" pitchFamily="2" charset="2"/>
-                        </a:rPr>
-                        <a:t></a:t>
-                      </a:r>
-                      <a:endParaRPr lang="en-SG" sz="1700" b="0" dirty="0">
-                        <a:solidFill>
-                          <a:schemeClr val="tx1"/>
-                        </a:solidFill>
-                        <a:latin typeface="Century Gothic" panose="020B0502020202020204" pitchFamily="34" charset="0"/>
-                      </a:endParaRPr>
-                    </a:p>
-                  </a:txBody>
-                  <a:tcPr anchor="ctr">
-                    <a:lnL w="12700" cap="flat" cmpd="sng" algn="ctr">
-                      <a:solidFill>
-                        <a:schemeClr val="tx1"/>
-                      </a:solidFill>
-                      <a:prstDash val="solid"/>
-                      <a:round/>
-                      <a:headEnd type="none" w="med" len="med"/>
-                      <a:tailEnd type="none" w="med" len="med"/>
-                    </a:lnL>
-                    <a:lnR w="12700" cap="flat" cmpd="sng" algn="ctr">
-                      <a:solidFill>
-                        <a:schemeClr val="tx1"/>
-                      </a:solidFill>
-                      <a:prstDash val="solid"/>
-                      <a:round/>
-                      <a:headEnd type="none" w="med" len="med"/>
-                      <a:tailEnd type="none" w="med" len="med"/>
-                    </a:lnR>
-                    <a:lnT w="12700" cap="flat" cmpd="sng" algn="ctr">
-                      <a:solidFill>
-                        <a:schemeClr val="tx1"/>
-                      </a:solidFill>
-                      <a:prstDash val="solid"/>
-                      <a:round/>
-                      <a:headEnd type="none" w="med" len="med"/>
-                      <a:tailEnd type="none" w="med" len="med"/>
-                    </a:lnT>
-                    <a:lnB w="12700" cap="flat" cmpd="sng" algn="ctr">
-                      <a:solidFill>
-                        <a:schemeClr val="tx1"/>
-                      </a:solidFill>
-                      <a:prstDash val="solid"/>
-                      <a:round/>
-                      <a:headEnd type="none" w="med" len="med"/>
-                      <a:tailEnd type="none" w="med" len="med"/>
-                    </a:lnB>
-                    <a:solidFill>
-                      <a:srgbClr val="F7FFF7"/>
-                    </a:solidFill>
-                  </a:tcPr>
-                </a:tc>
-                <a:tc>
-                  <a:txBody>
-                    <a:bodyPr/>
-                    <a:lstStyle/>
-                    <a:p>
-                      <a:pPr algn="ctr"/>
-                      <a:endParaRPr lang="en-SG" sz="1700" b="0" dirty="0">
-                        <a:solidFill>
-                          <a:schemeClr val="tx1"/>
-                        </a:solidFill>
-                        <a:latin typeface="Century Gothic" panose="020B0502020202020204" pitchFamily="34" charset="0"/>
-                      </a:endParaRPr>
-                    </a:p>
-                  </a:txBody>
-                  <a:tcPr anchor="ctr">
-                    <a:lnL w="12700" cap="flat" cmpd="sng" algn="ctr">
-                      <a:solidFill>
-                        <a:schemeClr val="tx1"/>
-                      </a:solidFill>
-                      <a:prstDash val="solid"/>
-                      <a:round/>
-                      <a:headEnd type="none" w="med" len="med"/>
-                      <a:tailEnd type="none" w="med" len="med"/>
-                    </a:lnL>
-                    <a:lnR w="12700" cap="flat" cmpd="sng" algn="ctr">
-                      <a:solidFill>
-                        <a:schemeClr val="tx1"/>
-                      </a:solidFill>
-                      <a:prstDash val="solid"/>
-                      <a:round/>
-                      <a:headEnd type="none" w="med" len="med"/>
-                      <a:tailEnd type="none" w="med" len="med"/>
-                    </a:lnR>
-                    <a:lnT w="12700" cap="flat" cmpd="sng" algn="ctr">
-                      <a:solidFill>
-                        <a:schemeClr val="tx1"/>
-                      </a:solidFill>
-                      <a:prstDash val="solid"/>
-                      <a:round/>
-                      <a:headEnd type="none" w="med" len="med"/>
-                      <a:tailEnd type="none" w="med" len="med"/>
-                    </a:lnT>
-                    <a:lnB w="12700" cap="flat" cmpd="sng" algn="ctr">
-                      <a:solidFill>
-                        <a:schemeClr val="tx1"/>
-                      </a:solidFill>
-                      <a:prstDash val="solid"/>
-                      <a:round/>
-                      <a:headEnd type="none" w="med" len="med"/>
-                      <a:tailEnd type="none" w="med" len="med"/>
-                    </a:lnB>
-                    <a:solidFill>
-                      <a:srgbClr val="F7FFF7"/>
-                    </a:solidFill>
-                  </a:tcPr>
-                </a:tc>
-                <a:tc>
-                  <a:txBody>
-                    <a:bodyPr/>
-                    <a:lstStyle/>
-                    <a:p>
-                      <a:pPr algn="ctr"/>
-                      <a:endParaRPr lang="en-SG" sz="1700" b="0" dirty="0">
-                        <a:solidFill>
-                          <a:schemeClr val="tx1"/>
-                        </a:solidFill>
-                        <a:latin typeface="Century Gothic" panose="020B0502020202020204" pitchFamily="34" charset="0"/>
-                      </a:endParaRPr>
-                    </a:p>
-                  </a:txBody>
-                  <a:tcPr anchor="ctr">
-                    <a:lnL w="12700" cap="flat" cmpd="sng" algn="ctr">
-                      <a:solidFill>
-                        <a:schemeClr val="tx1"/>
-                      </a:solidFill>
-                      <a:prstDash val="solid"/>
-                      <a:round/>
-                      <a:headEnd type="none" w="med" len="med"/>
-                      <a:tailEnd type="none" w="med" len="med"/>
-                    </a:lnL>
-                    <a:lnR w="12700" cap="flat" cmpd="sng" algn="ctr">
-                      <a:solidFill>
-                        <a:schemeClr val="tx1"/>
-                      </a:solidFill>
-                      <a:prstDash val="solid"/>
-                      <a:round/>
-                      <a:headEnd type="none" w="med" len="med"/>
-                      <a:tailEnd type="none" w="med" len="med"/>
-                    </a:lnR>
-                    <a:lnT w="12700" cap="flat" cmpd="sng" algn="ctr">
-                      <a:solidFill>
-                        <a:schemeClr val="tx1"/>
-                      </a:solidFill>
-                      <a:prstDash val="solid"/>
-                      <a:round/>
-                      <a:headEnd type="none" w="med" len="med"/>
-                      <a:tailEnd type="none" w="med" len="med"/>
-                    </a:lnT>
-                    <a:lnB w="12700" cap="flat" cmpd="sng" algn="ctr">
-                      <a:solidFill>
-                        <a:schemeClr val="tx1"/>
-                      </a:solidFill>
-                      <a:prstDash val="solid"/>
-                      <a:round/>
-                      <a:headEnd type="none" w="med" len="med"/>
-                      <a:tailEnd type="none" w="med" len="med"/>
-                    </a:lnB>
-                    <a:solidFill>
-                      <a:srgbClr val="F7FFF7"/>
-                    </a:solidFill>
-                  </a:tcPr>
-                </a:tc>
-                <a:extLst>
-                  <a:ext uri="{0D108BD9-81ED-4DB2-BD59-A6C34878D82A}">
-                    <a16:rowId xmlns:a16="http://schemas.microsoft.com/office/drawing/2014/main" val="10004"/>
-                  </a:ext>
-                </a:extLst>
-              </a:tr>
-              <a:tr h="393558">
+              <a:tr h="457366">
                 <a:tc>
                   <a:txBody>
                     <a:bodyPr/>
@@ -31157,7 +30857,7 @@
                   </a:ext>
                 </a:extLst>
               </a:tr>
-              <a:tr h="393558">
+              <a:tr h="457366">
                 <a:tc>
                   <a:txBody>
                     <a:bodyPr/>
@@ -31540,7 +31240,7 @@
                   </a:ext>
                 </a:extLst>
               </a:tr>
-              <a:tr h="398108">
+              <a:tr h="462653">
                 <a:tc>
                   <a:txBody>
                     <a:bodyPr/>
@@ -31674,16 +31374,6 @@
                     <a:lstStyle/>
                     <a:p>
                       <a:pPr algn="ctr"/>
-                      <a:r>
-                        <a:rPr lang="en-SG" sz="1700" b="0" dirty="0">
-                          <a:solidFill>
-                            <a:schemeClr val="tx1"/>
-                          </a:solidFill>
-                          <a:latin typeface="Century Gothic" panose="020B0502020202020204" pitchFamily="34" charset="0"/>
-                          <a:sym typeface="Wingdings" panose="05000000000000000000" pitchFamily="2" charset="2"/>
-                        </a:rPr>
-                        <a:t></a:t>
-                      </a:r>
                       <a:endParaRPr lang="en-SG" sz="1700" b="0" dirty="0">
                         <a:solidFill>
                           <a:schemeClr val="tx1"/>
@@ -31918,7 +31608,7 @@
                   </a:ext>
                 </a:extLst>
               </a:tr>
-              <a:tr h="398108">
+              <a:tr h="462653">
                 <a:tc>
                   <a:txBody>
                     <a:bodyPr/>
@@ -32286,7 +31976,7 @@
                   </a:ext>
                 </a:extLst>
               </a:tr>
-              <a:tr h="393558">
+              <a:tr h="457366">
                 <a:tc>
                   <a:txBody>
                     <a:bodyPr/>
@@ -32318,7 +32008,7 @@
                           <a:ea typeface="+mn-ea"/>
                           <a:cs typeface="+mn-cs"/>
                         </a:rPr>
-                        <a:t>Top k People report</a:t>
+                        <a:t>Top k report</a:t>
                       </a:r>
                     </a:p>
                   </a:txBody>
@@ -32756,469 +32446,7 @@
                   </a:ext>
                 </a:extLst>
               </a:tr>
-              <a:tr h="393558">
-                <a:tc>
-                  <a:txBody>
-                    <a:bodyPr/>
-                    <a:lstStyle/>
-                    <a:p>
-                      <a:pPr marL="0" marR="0" indent="0" algn="l" defTabSz="914400" rtl="0" eaLnBrk="1" fontAlgn="auto" latinLnBrk="0" hangingPunct="1">
-                        <a:lnSpc>
-                          <a:spcPct val="100000"/>
-                        </a:lnSpc>
-                        <a:spcBef>
-                          <a:spcPts val="0"/>
-                        </a:spcBef>
-                        <a:spcAft>
-                          <a:spcPts val="0"/>
-                        </a:spcAft>
-                        <a:buClrTx/>
-                        <a:buSzTx/>
-                        <a:buFontTx/>
-                        <a:buNone/>
-                        <a:tabLst/>
-                        <a:defRPr/>
-                      </a:pPr>
-                      <a:r>
-                        <a:rPr lang="en-SG" sz="1700" b="0" kern="1200" dirty="0">
-                          <a:solidFill>
-                            <a:schemeClr val="tx1"/>
-                          </a:solidFill>
-                          <a:latin typeface="+mn-lt"/>
-                          <a:ea typeface="+mn-ea"/>
-                          <a:cs typeface="+mn-cs"/>
-                        </a:rPr>
-                        <a:t>Top k next places report</a:t>
-                      </a:r>
-                    </a:p>
-                  </a:txBody>
-                  <a:tcPr>
-                    <a:lnL w="12700" cap="flat" cmpd="sng" algn="ctr">
-                      <a:solidFill>
-                        <a:schemeClr val="tx1"/>
-                      </a:solidFill>
-                      <a:prstDash val="solid"/>
-                      <a:round/>
-                      <a:headEnd type="none" w="med" len="med"/>
-                      <a:tailEnd type="none" w="med" len="med"/>
-                    </a:lnL>
-                    <a:lnR w="12700" cap="flat" cmpd="sng" algn="ctr">
-                      <a:solidFill>
-                        <a:schemeClr val="tx1"/>
-                      </a:solidFill>
-                      <a:prstDash val="solid"/>
-                      <a:round/>
-                      <a:headEnd type="none" w="med" len="med"/>
-                      <a:tailEnd type="none" w="med" len="med"/>
-                    </a:lnR>
-                    <a:lnT w="12700" cap="flat" cmpd="sng" algn="ctr">
-                      <a:solidFill>
-                        <a:schemeClr val="tx1"/>
-                      </a:solidFill>
-                      <a:prstDash val="solid"/>
-                      <a:round/>
-                      <a:headEnd type="none" w="med" len="med"/>
-                      <a:tailEnd type="none" w="med" len="med"/>
-                    </a:lnT>
-                    <a:lnB w="12700" cap="flat" cmpd="sng" algn="ctr">
-                      <a:solidFill>
-                        <a:schemeClr val="tx1"/>
-                      </a:solidFill>
-                      <a:prstDash val="solid"/>
-                      <a:round/>
-                      <a:headEnd type="none" w="med" len="med"/>
-                      <a:tailEnd type="none" w="med" len="med"/>
-                    </a:lnB>
-                    <a:solidFill>
-                      <a:srgbClr val="F7FFF7"/>
-                    </a:solidFill>
-                  </a:tcPr>
-                </a:tc>
-                <a:tc>
-                  <a:txBody>
-                    <a:bodyPr/>
-                    <a:lstStyle/>
-                    <a:p>
-                      <a:pPr marL="0" marR="0" indent="0" algn="ctr" defTabSz="914400" rtl="0" eaLnBrk="1" fontAlgn="auto" latinLnBrk="0" hangingPunct="1">
-                        <a:lnSpc>
-                          <a:spcPct val="100000"/>
-                        </a:lnSpc>
-                        <a:spcBef>
-                          <a:spcPts val="0"/>
-                        </a:spcBef>
-                        <a:spcAft>
-                          <a:spcPts val="0"/>
-                        </a:spcAft>
-                        <a:buClrTx/>
-                        <a:buSzTx/>
-                        <a:buFontTx/>
-                        <a:buNone/>
-                        <a:tabLst/>
-                        <a:defRPr/>
-                      </a:pPr>
-                      <a:endParaRPr lang="en-SG" sz="1700" b="0" dirty="0">
-                        <a:solidFill>
-                          <a:schemeClr val="tx1"/>
-                        </a:solidFill>
-                        <a:latin typeface="Century Gothic" panose="020B0502020202020204" pitchFamily="34" charset="0"/>
-                      </a:endParaRPr>
-                    </a:p>
-                  </a:txBody>
-                  <a:tcPr>
-                    <a:lnL w="12700" cap="flat" cmpd="sng" algn="ctr">
-                      <a:solidFill>
-                        <a:schemeClr val="tx1"/>
-                      </a:solidFill>
-                      <a:prstDash val="solid"/>
-                      <a:round/>
-                      <a:headEnd type="none" w="med" len="med"/>
-                      <a:tailEnd type="none" w="med" len="med"/>
-                    </a:lnL>
-                    <a:lnR w="12700" cap="flat" cmpd="sng" algn="ctr">
-                      <a:solidFill>
-                        <a:schemeClr val="tx1"/>
-                      </a:solidFill>
-                      <a:prstDash val="solid"/>
-                      <a:round/>
-                      <a:headEnd type="none" w="med" len="med"/>
-                      <a:tailEnd type="none" w="med" len="med"/>
-                    </a:lnR>
-                    <a:lnT w="12700" cap="flat" cmpd="sng" algn="ctr">
-                      <a:solidFill>
-                        <a:schemeClr val="tx1"/>
-                      </a:solidFill>
-                      <a:prstDash val="solid"/>
-                      <a:round/>
-                      <a:headEnd type="none" w="med" len="med"/>
-                      <a:tailEnd type="none" w="med" len="med"/>
-                    </a:lnT>
-                    <a:lnB w="12700" cap="flat" cmpd="sng" algn="ctr">
-                      <a:solidFill>
-                        <a:schemeClr val="tx1"/>
-                      </a:solidFill>
-                      <a:prstDash val="solid"/>
-                      <a:round/>
-                      <a:headEnd type="none" w="med" len="med"/>
-                      <a:tailEnd type="none" w="med" len="med"/>
-                    </a:lnB>
-                    <a:solidFill>
-                      <a:srgbClr val="F7FFF7"/>
-                    </a:solidFill>
-                  </a:tcPr>
-                </a:tc>
-                <a:tc>
-                  <a:txBody>
-                    <a:bodyPr/>
-                    <a:lstStyle/>
-                    <a:p>
-                      <a:pPr marL="0" marR="0" indent="0" algn="ctr" defTabSz="914400" rtl="0" eaLnBrk="1" fontAlgn="auto" latinLnBrk="0" hangingPunct="1">
-                        <a:lnSpc>
-                          <a:spcPct val="100000"/>
-                        </a:lnSpc>
-                        <a:spcBef>
-                          <a:spcPts val="0"/>
-                        </a:spcBef>
-                        <a:spcAft>
-                          <a:spcPts val="0"/>
-                        </a:spcAft>
-                        <a:buClrTx/>
-                        <a:buSzTx/>
-                        <a:buFontTx/>
-                        <a:buNone/>
-                        <a:tabLst/>
-                        <a:defRPr/>
-                      </a:pPr>
-                      <a:r>
-                        <a:rPr lang="en-SG" sz="1700" b="0" dirty="0">
-                          <a:solidFill>
-                            <a:schemeClr val="tx1"/>
-                          </a:solidFill>
-                          <a:latin typeface="Century Gothic" panose="020B0502020202020204" pitchFamily="34" charset="0"/>
-                          <a:sym typeface="Wingdings" panose="05000000000000000000" pitchFamily="2" charset="2"/>
-                        </a:rPr>
-                        <a:t></a:t>
-                      </a:r>
-                      <a:endParaRPr lang="en-SG" sz="1700" b="0" dirty="0">
-                        <a:solidFill>
-                          <a:schemeClr val="tx1"/>
-                        </a:solidFill>
-                        <a:latin typeface="Century Gothic" panose="020B0502020202020204" pitchFamily="34" charset="0"/>
-                      </a:endParaRPr>
-                    </a:p>
-                  </a:txBody>
-                  <a:tcPr>
-                    <a:lnL w="12700" cap="flat" cmpd="sng" algn="ctr">
-                      <a:solidFill>
-                        <a:schemeClr val="tx1"/>
-                      </a:solidFill>
-                      <a:prstDash val="solid"/>
-                      <a:round/>
-                      <a:headEnd type="none" w="med" len="med"/>
-                      <a:tailEnd type="none" w="med" len="med"/>
-                    </a:lnL>
-                    <a:lnR w="12700" cap="flat" cmpd="sng" algn="ctr">
-                      <a:solidFill>
-                        <a:schemeClr val="tx1"/>
-                      </a:solidFill>
-                      <a:prstDash val="solid"/>
-                      <a:round/>
-                      <a:headEnd type="none" w="med" len="med"/>
-                      <a:tailEnd type="none" w="med" len="med"/>
-                    </a:lnR>
-                    <a:lnT w="12700" cap="flat" cmpd="sng" algn="ctr">
-                      <a:solidFill>
-                        <a:schemeClr val="tx1"/>
-                      </a:solidFill>
-                      <a:prstDash val="solid"/>
-                      <a:round/>
-                      <a:headEnd type="none" w="med" len="med"/>
-                      <a:tailEnd type="none" w="med" len="med"/>
-                    </a:lnT>
-                    <a:lnB w="12700" cap="flat" cmpd="sng" algn="ctr">
-                      <a:solidFill>
-                        <a:schemeClr val="tx1"/>
-                      </a:solidFill>
-                      <a:prstDash val="solid"/>
-                      <a:round/>
-                      <a:headEnd type="none" w="med" len="med"/>
-                      <a:tailEnd type="none" w="med" len="med"/>
-                    </a:lnB>
-                    <a:solidFill>
-                      <a:srgbClr val="F7FFF7"/>
-                    </a:solidFill>
-                  </a:tcPr>
-                </a:tc>
-                <a:tc>
-                  <a:txBody>
-                    <a:bodyPr/>
-                    <a:lstStyle/>
-                    <a:p>
-                      <a:pPr algn="ctr"/>
-                      <a:endParaRPr lang="en-SG" sz="1700" b="0" dirty="0">
-                        <a:solidFill>
-                          <a:schemeClr val="tx1"/>
-                        </a:solidFill>
-                        <a:latin typeface="Century Gothic" panose="020B0502020202020204" pitchFamily="34" charset="0"/>
-                      </a:endParaRPr>
-                    </a:p>
-                  </a:txBody>
-                  <a:tcPr>
-                    <a:lnL w="12700" cap="flat" cmpd="sng" algn="ctr">
-                      <a:solidFill>
-                        <a:schemeClr val="tx1"/>
-                      </a:solidFill>
-                      <a:prstDash val="solid"/>
-                      <a:round/>
-                      <a:headEnd type="none" w="med" len="med"/>
-                      <a:tailEnd type="none" w="med" len="med"/>
-                    </a:lnL>
-                    <a:lnR w="12700" cap="flat" cmpd="sng" algn="ctr">
-                      <a:solidFill>
-                        <a:schemeClr val="tx1"/>
-                      </a:solidFill>
-                      <a:prstDash val="solid"/>
-                      <a:round/>
-                      <a:headEnd type="none" w="med" len="med"/>
-                      <a:tailEnd type="none" w="med" len="med"/>
-                    </a:lnR>
-                    <a:lnT w="12700" cap="flat" cmpd="sng" algn="ctr">
-                      <a:solidFill>
-                        <a:schemeClr val="tx1"/>
-                      </a:solidFill>
-                      <a:prstDash val="solid"/>
-                      <a:round/>
-                      <a:headEnd type="none" w="med" len="med"/>
-                      <a:tailEnd type="none" w="med" len="med"/>
-                    </a:lnT>
-                    <a:lnB w="12700" cap="flat" cmpd="sng" algn="ctr">
-                      <a:solidFill>
-                        <a:schemeClr val="tx1"/>
-                      </a:solidFill>
-                      <a:prstDash val="solid"/>
-                      <a:round/>
-                      <a:headEnd type="none" w="med" len="med"/>
-                      <a:tailEnd type="none" w="med" len="med"/>
-                    </a:lnB>
-                    <a:solidFill>
-                      <a:srgbClr val="F7FFF7"/>
-                    </a:solidFill>
-                  </a:tcPr>
-                </a:tc>
-                <a:tc>
-                  <a:txBody>
-                    <a:bodyPr/>
-                    <a:lstStyle/>
-                    <a:p>
-                      <a:pPr marL="0" marR="0" lvl="0" indent="0" algn="ctr" defTabSz="914400" rtl="0" eaLnBrk="1" fontAlgn="auto" latinLnBrk="0" hangingPunct="1">
-                        <a:lnSpc>
-                          <a:spcPct val="100000"/>
-                        </a:lnSpc>
-                        <a:spcBef>
-                          <a:spcPts val="0"/>
-                        </a:spcBef>
-                        <a:spcAft>
-                          <a:spcPts val="0"/>
-                        </a:spcAft>
-                        <a:buClrTx/>
-                        <a:buSzTx/>
-                        <a:buFontTx/>
-                        <a:buNone/>
-                        <a:tabLst/>
-                        <a:defRPr/>
-                      </a:pPr>
-                      <a:r>
-                        <a:rPr lang="en-SG" sz="1700" b="0" kern="1200" dirty="0">
-                          <a:solidFill>
-                            <a:schemeClr val="tx1"/>
-                          </a:solidFill>
-                          <a:latin typeface="Century Gothic" panose="020B0502020202020204" pitchFamily="34" charset="0"/>
-                          <a:ea typeface="+mn-ea"/>
-                          <a:cs typeface="+mn-cs"/>
-                          <a:sym typeface="Wingdings" panose="05000000000000000000" pitchFamily="2" charset="2"/>
-                        </a:rPr>
-                        <a:t></a:t>
-                      </a:r>
-                      <a:endParaRPr lang="en-SG" sz="1700" b="0" kern="1200" dirty="0">
-                        <a:solidFill>
-                          <a:schemeClr val="tx1"/>
-                        </a:solidFill>
-                        <a:latin typeface="Century Gothic" panose="020B0502020202020204" pitchFamily="34" charset="0"/>
-                        <a:ea typeface="+mn-ea"/>
-                        <a:cs typeface="+mn-cs"/>
-                      </a:endParaRPr>
-                    </a:p>
-                  </a:txBody>
-                  <a:tcPr>
-                    <a:lnL w="12700" cap="flat" cmpd="sng" algn="ctr">
-                      <a:solidFill>
-                        <a:schemeClr val="tx1"/>
-                      </a:solidFill>
-                      <a:prstDash val="solid"/>
-                      <a:round/>
-                      <a:headEnd type="none" w="med" len="med"/>
-                      <a:tailEnd type="none" w="med" len="med"/>
-                    </a:lnL>
-                    <a:lnR w="12700" cap="flat" cmpd="sng" algn="ctr">
-                      <a:solidFill>
-                        <a:schemeClr val="tx1"/>
-                      </a:solidFill>
-                      <a:prstDash val="solid"/>
-                      <a:round/>
-                      <a:headEnd type="none" w="med" len="med"/>
-                      <a:tailEnd type="none" w="med" len="med"/>
-                    </a:lnR>
-                    <a:lnT w="12700" cap="flat" cmpd="sng" algn="ctr">
-                      <a:solidFill>
-                        <a:schemeClr val="tx1"/>
-                      </a:solidFill>
-                      <a:prstDash val="solid"/>
-                      <a:round/>
-                      <a:headEnd type="none" w="med" len="med"/>
-                      <a:tailEnd type="none" w="med" len="med"/>
-                    </a:lnT>
-                    <a:lnB w="12700" cap="flat" cmpd="sng" algn="ctr">
-                      <a:solidFill>
-                        <a:schemeClr val="tx1"/>
-                      </a:solidFill>
-                      <a:prstDash val="solid"/>
-                      <a:round/>
-                      <a:headEnd type="none" w="med" len="med"/>
-                      <a:tailEnd type="none" w="med" len="med"/>
-                    </a:lnB>
-                    <a:solidFill>
-                      <a:srgbClr val="F7FFF7"/>
-                    </a:solidFill>
-                  </a:tcPr>
-                </a:tc>
-                <a:tc>
-                  <a:txBody>
-                    <a:bodyPr/>
-                    <a:lstStyle/>
-                    <a:p>
-                      <a:pPr marL="0" marR="0" indent="0" algn="ctr" defTabSz="914400" rtl="0" eaLnBrk="1" fontAlgn="auto" latinLnBrk="0" hangingPunct="1">
-                        <a:lnSpc>
-                          <a:spcPct val="100000"/>
-                        </a:lnSpc>
-                        <a:spcBef>
-                          <a:spcPts val="0"/>
-                        </a:spcBef>
-                        <a:spcAft>
-                          <a:spcPts val="0"/>
-                        </a:spcAft>
-                        <a:buClrTx/>
-                        <a:buSzTx/>
-                        <a:buFontTx/>
-                        <a:buNone/>
-                        <a:tabLst/>
-                        <a:defRPr/>
-                      </a:pPr>
-                      <a:r>
-                        <a:rPr lang="en-SG" sz="1700" b="0" dirty="0">
-                          <a:solidFill>
-                            <a:schemeClr val="tx1"/>
-                          </a:solidFill>
-                          <a:latin typeface="Century Gothic" panose="020B0502020202020204" pitchFamily="34" charset="0"/>
-                          <a:sym typeface="Wingdings" panose="05000000000000000000" pitchFamily="2" charset="2"/>
-                        </a:rPr>
-                        <a:t></a:t>
-                      </a:r>
-                      <a:endParaRPr lang="en-SG" sz="1700" b="0" dirty="0">
-                        <a:solidFill>
-                          <a:schemeClr val="tx1"/>
-                        </a:solidFill>
-                        <a:latin typeface="Century Gothic" panose="020B0502020202020204" pitchFamily="34" charset="0"/>
-                      </a:endParaRPr>
-                    </a:p>
-                  </a:txBody>
-                  <a:tcPr>
-                    <a:lnL w="12700" cap="flat" cmpd="sng" algn="ctr">
-                      <a:solidFill>
-                        <a:schemeClr val="tx1"/>
-                      </a:solidFill>
-                      <a:prstDash val="solid"/>
-                      <a:round/>
-                      <a:headEnd type="none" w="med" len="med"/>
-                      <a:tailEnd type="none" w="med" len="med"/>
-                    </a:lnL>
-                    <a:lnR w="12700" cap="flat" cmpd="sng" algn="ctr">
-                      <a:solidFill>
-                        <a:schemeClr val="tx1"/>
-                      </a:solidFill>
-                      <a:prstDash val="solid"/>
-                      <a:round/>
-                      <a:headEnd type="none" w="med" len="med"/>
-                      <a:tailEnd type="none" w="med" len="med"/>
-                    </a:lnR>
-                    <a:lnT w="12700" cap="flat" cmpd="sng" algn="ctr">
-                      <a:solidFill>
-                        <a:schemeClr val="tx1"/>
-                      </a:solidFill>
-                      <a:prstDash val="solid"/>
-                      <a:round/>
-                      <a:headEnd type="none" w="med" len="med"/>
-                      <a:tailEnd type="none" w="med" len="med"/>
-                    </a:lnT>
-                    <a:lnB w="12700" cap="flat" cmpd="sng" algn="ctr">
-                      <a:solidFill>
-                        <a:schemeClr val="tx1"/>
-                      </a:solidFill>
-                      <a:prstDash val="solid"/>
-                      <a:round/>
-                      <a:headEnd type="none" w="med" len="med"/>
-                      <a:tailEnd type="none" w="med" len="med"/>
-                    </a:lnB>
-                    <a:solidFill>
-                      <a:srgbClr val="F7FFF7"/>
-                    </a:solidFill>
-                  </a:tcPr>
-                </a:tc>
-                <a:extLst>
-                  <a:ext uri="{0D108BD9-81ED-4DB2-BD59-A6C34878D82A}">
-                    <a16:rowId xmlns:a16="http://schemas.microsoft.com/office/drawing/2014/main" val="749360556"/>
-                  </a:ext>
-                </a:extLst>
-              </a:tr>
-              <a:tr h="393558">
+              <a:tr h="457366">
                 <a:tc>
                   <a:txBody>
                     <a:bodyPr/>
@@ -33666,7 +32894,7 @@
                   </a:ext>
                 </a:extLst>
               </a:tr>
-              <a:tr h="393558">
+              <a:tr h="457366">
                 <a:tc>
                   <a:txBody>
                     <a:bodyPr/>
@@ -34114,7 +33342,7 @@
                   </a:ext>
                 </a:extLst>
               </a:tr>
-              <a:tr h="393558">
+              <a:tr h="457366">
                 <a:tc>
                   <a:txBody>
                     <a:bodyPr/>
@@ -35809,7 +35037,7 @@
           <a:p>
             <a:r>
               <a:rPr lang="en-SG" dirty="0"/>
-              <a:t>(2, 0.85)</a:t>
+              <a:t>(2, 0.83)</a:t>
             </a:r>
           </a:p>
         </p:txBody>
@@ -36502,7 +35730,7 @@
         </p:nvSpPr>
         <p:spPr>
           <a:xfrm>
-            <a:off x="4728332" y="3113948"/>
+            <a:off x="4818242" y="3105066"/>
             <a:ext cx="1833154" cy="369332"/>
           </a:xfrm>
           <a:prstGeom prst="rect">
@@ -36518,7 +35746,7 @@
           <a:p>
             <a:r>
               <a:rPr lang="en-SG" dirty="0"/>
-              <a:t>(2, 0.5)</a:t>
+              <a:t>(3, 0.5)</a:t>
             </a:r>
           </a:p>
         </p:txBody>
@@ -38143,7 +37371,7 @@
             <p:ph idx="1"/>
             <p:extLst>
               <p:ext uri="{D42A27DB-BD31-4B8C-83A1-F6EECF244321}">
-                <p14:modId xmlns:p14="http://schemas.microsoft.com/office/powerpoint/2010/main" val="2210308838"/>
+                <p14:modId xmlns:p14="http://schemas.microsoft.com/office/powerpoint/2010/main" val="2932427817"/>
               </p:ext>
             </p:extLst>
           </p:nvPr>
@@ -38397,7 +37625,10 @@
                     <a:bodyPr/>
                     <a:lstStyle/>
                     <a:p>
-                      <a:endParaRPr lang="en-SG" sz="3600" b="1" dirty="0"/>
+                      <a:r>
+                        <a:rPr lang="en-SG" sz="3600" b="1" dirty="0"/>
+                        <a:t>0</a:t>
+                      </a:r>
                     </a:p>
                   </a:txBody>
                   <a:tcPr/>
@@ -38407,7 +37638,10 @@
                     <a:bodyPr/>
                     <a:lstStyle/>
                     <a:p>
-                      <a:endParaRPr lang="en-SG" sz="3600" b="1" dirty="0"/>
+                      <a:r>
+                        <a:rPr lang="en-SG" sz="3600" b="1" dirty="0"/>
+                        <a:t>0</a:t>
+                      </a:r>
                     </a:p>
                   </a:txBody>
                   <a:tcPr/>
@@ -38518,7 +37752,7 @@
                     <a:p>
                       <a:r>
                         <a:rPr lang="en-SG" sz="3600" b="1" dirty="0"/>
-                        <a:t>99</a:t>
+                        <a:t>31</a:t>
                       </a:r>
                     </a:p>
                   </a:txBody>
@@ -38740,7 +37974,7 @@
           <a:p>
             <a:r>
               <a:rPr lang="en-SG" sz="3200" dirty="0"/>
-              <a:t>Metrics (schedule &amp; bug)</a:t>
+              <a:t>Metrics (Task &amp; Bug)</a:t>
             </a:r>
           </a:p>
           <a:p>
@@ -42623,7 +41857,7 @@
             </a:pPr>
             <a:r>
               <a:rPr lang="en-SG" sz="2800" dirty="0"/>
-              <a:t>Automatic Group Identification</a:t>
+              <a:t>Automatic Group Detection</a:t>
             </a:r>
           </a:p>
           <a:p>
